--- a/Theory Class-Notes/Complete Syllabus/All Modules.pptx
+++ b/Theory Class-Notes/Complete Syllabus/All Modules.pptx
@@ -111,6 +111,11 @@
       </a:defRPr>
     </a:lvl9pPr>
   </p:defaultTextStyle>
+  <p:extLst>
+    <p:ext uri="{EFAFB233-063F-42B5-8137-9DF3F51BA10A}">
+      <p15:sldGuideLst xmlns:p15="http://schemas.microsoft.com/office/powerpoint/2012/main"/>
+    </p:ext>
+  </p:extLst>
 </p:presentation>
 </file>
 
@@ -3919,7 +3924,7 @@
                   <a:srgbClr val="C00000"/>
                 </a:solidFill>
               </a:rPr>
-              <a:t>INTERFACES AND PACKAGES</a:t>
+              <a:t>INTERFACES AND PACKAGES (5 hrs)</a:t>
             </a:r>
             <a:endParaRPr lang="en-US" b="1" dirty="0">
               <a:solidFill>
@@ -3937,7 +3942,7 @@
             </a:r>
             <a:r>
               <a:rPr lang="en-IN" dirty="0"/>
-              <a:t>Interfaces VS Abstract classes, defining an interface, implement interfaces accessing implementations through interface references, extending interface. </a:t>
+              <a:t>Interfaces VS Abstract classes, defining an interface, implement interfaces, accessing implementations through interface references, extending interface. </a:t>
             </a:r>
           </a:p>
           <a:p>
@@ -4021,7 +4026,7 @@
         </p:spPr>
         <p:txBody>
           <a:bodyPr>
-            <a:normAutofit fontScale="92500"/>
+            <a:normAutofit fontScale="92500" lnSpcReduction="10000"/>
           </a:bodyPr>
           <a:lstStyle/>
           <a:p>
@@ -4042,7 +4047,7 @@
                   <a:srgbClr val="C00000"/>
                 </a:solidFill>
               </a:rPr>
-              <a:t>EXCEPTION HANDLING </a:t>
+              <a:t>EXCEPTION HANDLING (5hrs)</a:t>
             </a:r>
           </a:p>
           <a:p>
@@ -4055,7 +4060,7 @@
             </a:r>
             <a:r>
               <a:rPr lang="en-US" dirty="0"/>
-              <a:t> Benefits of exception handling, the classification of exceptions exception hierarchy, checked exceptions and unchecked exceptions, usage of try, catch, throw, throws and finally. rethrowing exceptions, exception specification, built in exceptions, creating own exception sub classes.</a:t>
+              <a:t> Benefits of exception handling, the classification of exceptions, exception hierarchy, checked exceptions and unchecked exceptions, usage of try, catch, throw, throws and finally. rethrowing exceptions, exception specification, built in exceptions, creating own exception sub classes.</a:t>
             </a:r>
           </a:p>
           <a:p>
@@ -4082,7 +4087,7 @@
                   <a:srgbClr val="C00000"/>
                 </a:solidFill>
               </a:rPr>
-              <a:t>GUI PROGRAMMING AND APPLETS</a:t>
+              <a:t>GUI PROGRAMMING AND APPLETS (6)</a:t>
             </a:r>
           </a:p>
           <a:p>
@@ -4184,8 +4189,12 @@
               <a:buNone/>
             </a:pPr>
             <a:r>
+              <a:rPr lang="en-US" b="1" dirty="0"/>
+              <a:t>Applets: </a:t>
+            </a:r>
+            <a:r>
               <a:rPr lang="en-US" dirty="0"/>
-              <a:t>Applets: Inheritance hierarchy for applets, differences between applets and applications, life cycle of an applet, passing parameters to applets.</a:t>
+              <a:t>Inheritance hierarchy for applets, differences between applets and applications, life cycle of an applet, passing parameters to applets.</a:t>
             </a:r>
           </a:p>
           <a:p>
